--- a/Presentation/AI-Factor.pptx
+++ b/Presentation/AI-Factor.pptx
@@ -3521,9 +3521,15 @@
         </p:nvSpPr>
         <p:spPr/>
         <p:txBody>
-          <a:bodyPr/>
-          <a:lstStyle/>
-          <a:p>
+          <a:bodyPr>
+            <a:normAutofit/>
+          </a:bodyPr>
+          <a:lstStyle/>
+          <a:p>
+            <a:r>
+              <a:rPr lang="en-GB" b="1" dirty="0"/>
+              <a:t>Julie: </a:t>
+            </a:r>
             <a:r>
               <a:rPr lang="en-GB" dirty="0"/>
               <a:t>The impatient type</a:t>
@@ -3535,7 +3541,24 @@
               <a:rPr lang="en-GB" dirty="0"/>
             </a:br>
             <a:r>
-              <a:rPr lang="en-GB" i="1" dirty="0"/>
+              <a:rPr lang="en-GB" sz="2000" dirty="0">
+                <a:solidFill>
+                  <a:schemeClr val="accent2"/>
+                </a:solidFill>
+                <a:latin typeface="Consolas" panose="020B0609020204030204" pitchFamily="49" charset="0"/>
+              </a:rPr>
+              <a:t>System</a:t>
+            </a:r>
+            <a:r>
+              <a:rPr lang="en-GB" sz="2000" dirty="0">
+                <a:latin typeface="Consolas" panose="020B0609020204030204" pitchFamily="49" charset="0"/>
+              </a:rPr>
+              <a:t>: </a:t>
+            </a:r>
+            <a:r>
+              <a:rPr lang="en-GB" sz="2000" i="1" dirty="0">
+                <a:latin typeface="Consolas" panose="020B0609020204030204" pitchFamily="49" charset="0"/>
+              </a:rPr>
               <a:t>“You are an impatient judge in a music competition. You comment the performance of the artist playing with one short sentence.”</a:t>
             </a:r>
           </a:p>
@@ -3543,6 +3566,10 @@
             <a:endParaRPr lang="en-GB" i="1" dirty="0"/>
           </a:p>
           <a:p>
+            <a:r>
+              <a:rPr lang="en-GB" b="1" dirty="0"/>
+              <a:t>Andrew: </a:t>
+            </a:r>
             <a:r>
               <a:rPr lang="en-GB" dirty="0"/>
               <a:t>The helpful type</a:t>
@@ -3554,10 +3581,29 @@
               <a:rPr lang="en-GB" dirty="0"/>
             </a:br>
             <a:r>
-              <a:rPr lang="en-GB" i="1" dirty="0"/>
+              <a:rPr lang="en-GB" sz="2200" dirty="0">
+                <a:solidFill>
+                  <a:schemeClr val="accent2"/>
+                </a:solidFill>
+                <a:latin typeface="Consolas" panose="020B0609020204030204" pitchFamily="49" charset="0"/>
+              </a:rPr>
+              <a:t>System</a:t>
+            </a:r>
+            <a:r>
+              <a:rPr lang="en-GB" sz="2200" dirty="0">
+                <a:latin typeface="Consolas" panose="020B0609020204030204" pitchFamily="49" charset="0"/>
+              </a:rPr>
+              <a:t>: </a:t>
+            </a:r>
+            <a:r>
+              <a:rPr lang="en-GB" sz="2200" i="1" dirty="0">
+                <a:latin typeface="Consolas" panose="020B0609020204030204" pitchFamily="49" charset="0"/>
+              </a:rPr>
               <a:t>“You are a very helpful judge in a music competition. You give suggestions to the artist playing for how to improve with one short sentence.”</a:t>
             </a:r>
-            <a:endParaRPr lang="en-DK" i="1" dirty="0"/>
+            <a:endParaRPr lang="en-DK" sz="2200" i="1" dirty="0">
+              <a:latin typeface="Consolas" panose="020B0609020204030204" pitchFamily="49" charset="0"/>
+            </a:endParaRPr>
           </a:p>
         </p:txBody>
       </p:sp>
@@ -3635,7 +3681,7 @@
         <p:spPr>
           <a:xfrm>
             <a:off x="2699843" y="2014045"/>
-            <a:ext cx="3527535" cy="923330"/>
+            <a:ext cx="3752195" cy="923330"/>
           </a:xfrm>
           <a:prstGeom prst="rect">
             <a:avLst/>
@@ -3660,18 +3706,18 @@
             </a:r>
             <a:r>
               <a:rPr lang="en-GB" dirty="0" err="1"/>
-              <a:t>ThetaEdgeCloud</a:t>
+              <a:t>ThetaEdge</a:t>
             </a:r>
             <a:r>
               <a:rPr lang="en-GB" dirty="0"/>
-              <a:t> livestream</a:t>
+              <a:t> Cloud livestream</a:t>
             </a:r>
             <a:br>
               <a:rPr lang="en-GB" dirty="0"/>
             </a:br>
             <a:r>
               <a:rPr lang="en-GB" dirty="0"/>
-              <a:t>- Create connection to  Processor</a:t>
+              <a:t>- Create connection to Processor</a:t>
             </a:r>
             <a:endParaRPr lang="en-DK" dirty="0"/>
           </a:p>
@@ -3844,9 +3890,9 @@
           <p:nvPr/>
         </p:nvCxnSpPr>
         <p:spPr>
-          <a:xfrm>
-            <a:off x="4463611" y="2937375"/>
-            <a:ext cx="5547" cy="527099"/>
+          <a:xfrm flipH="1">
+            <a:off x="4469158" y="2937375"/>
+            <a:ext cx="106783" cy="527099"/>
           </a:xfrm>
           <a:prstGeom prst="straightConnector1">
             <a:avLst/>
@@ -3921,7 +3967,7 @@
         <p:spPr>
           <a:xfrm>
             <a:off x="8941018" y="1517432"/>
-            <a:ext cx="1899745" cy="369332"/>
+            <a:ext cx="2031782" cy="646331"/>
           </a:xfrm>
           <a:prstGeom prst="rect">
             <a:avLst/>
@@ -3935,10 +3981,21 @@
           <a:lstStyle/>
           <a:p>
             <a:r>
-              <a:rPr lang="en-GB" dirty="0" err="1"/>
-              <a:t>ThetaEdgeCloud</a:t>
-            </a:r>
-            <a:endParaRPr lang="en-DK" dirty="0"/>
+              <a:rPr lang="en-GB" b="1" dirty="0"/>
+              <a:t>Theta </a:t>
+            </a:r>
+            <a:r>
+              <a:rPr lang="en-GB" b="1" dirty="0" err="1"/>
+              <a:t>EdgeCloud</a:t>
+            </a:r>
+            <a:br>
+              <a:rPr lang="en-GB" b="1" dirty="0"/>
+            </a:br>
+            <a:r>
+              <a:rPr lang="en-GB" dirty="0"/>
+              <a:t>- Live broadcasting</a:t>
+            </a:r>
+            <a:endParaRPr lang="en-DK" b="1" dirty="0"/>
           </a:p>
         </p:txBody>
       </p:sp>
@@ -4007,6 +4064,10 @@
             <a:br>
               <a:rPr lang="en-GB" b="1" dirty="0"/>
             </a:br>
+            <a:r>
+              <a:rPr lang="en-GB" b="1" dirty="0"/>
+              <a:t>- </a:t>
+            </a:r>
             <a:r>
               <a:rPr lang="en-GB" dirty="0"/>
               <a:t>Live streaming to users on all browsers and smart devices</a:t>
